--- a/코드리뷰6_yuna.pptx
+++ b/코드리뷰6_yuna.pptx
@@ -243,7 +243,7 @@
           <a:p>
             <a:fld id="{D92FA0C3-903F-4DD4-9420-CFFA3F5C6C77}" type="datetimeFigureOut">
               <a:rPr lang="ko-KR" altLang="en-US" smtClean="0"/>
-              <a:t>2022-12-07</a:t>
+              <a:t>2022-12-08</a:t>
             </a:fld>
             <a:endParaRPr lang="ko-KR" altLang="en-US"/>
           </a:p>
@@ -413,7 +413,7 @@
           <a:p>
             <a:fld id="{D92FA0C3-903F-4DD4-9420-CFFA3F5C6C77}" type="datetimeFigureOut">
               <a:rPr lang="ko-KR" altLang="en-US" smtClean="0"/>
-              <a:t>2022-12-07</a:t>
+              <a:t>2022-12-08</a:t>
             </a:fld>
             <a:endParaRPr lang="ko-KR" altLang="en-US"/>
           </a:p>
@@ -593,7 +593,7 @@
           <a:p>
             <a:fld id="{D92FA0C3-903F-4DD4-9420-CFFA3F5C6C77}" type="datetimeFigureOut">
               <a:rPr lang="ko-KR" altLang="en-US" smtClean="0"/>
-              <a:t>2022-12-07</a:t>
+              <a:t>2022-12-08</a:t>
             </a:fld>
             <a:endParaRPr lang="ko-KR" altLang="en-US"/>
           </a:p>
@@ -763,7 +763,7 @@
           <a:p>
             <a:fld id="{D92FA0C3-903F-4DD4-9420-CFFA3F5C6C77}" type="datetimeFigureOut">
               <a:rPr lang="ko-KR" altLang="en-US" smtClean="0"/>
-              <a:t>2022-12-07</a:t>
+              <a:t>2022-12-08</a:t>
             </a:fld>
             <a:endParaRPr lang="ko-KR" altLang="en-US"/>
           </a:p>
@@ -1009,7 +1009,7 @@
           <a:p>
             <a:fld id="{D92FA0C3-903F-4DD4-9420-CFFA3F5C6C77}" type="datetimeFigureOut">
               <a:rPr lang="ko-KR" altLang="en-US" smtClean="0"/>
-              <a:t>2022-12-07</a:t>
+              <a:t>2022-12-08</a:t>
             </a:fld>
             <a:endParaRPr lang="ko-KR" altLang="en-US"/>
           </a:p>
@@ -1241,7 +1241,7 @@
           <a:p>
             <a:fld id="{D92FA0C3-903F-4DD4-9420-CFFA3F5C6C77}" type="datetimeFigureOut">
               <a:rPr lang="ko-KR" altLang="en-US" smtClean="0"/>
-              <a:t>2022-12-07</a:t>
+              <a:t>2022-12-08</a:t>
             </a:fld>
             <a:endParaRPr lang="ko-KR" altLang="en-US"/>
           </a:p>
@@ -1608,7 +1608,7 @@
           <a:p>
             <a:fld id="{D92FA0C3-903F-4DD4-9420-CFFA3F5C6C77}" type="datetimeFigureOut">
               <a:rPr lang="ko-KR" altLang="en-US" smtClean="0"/>
-              <a:t>2022-12-07</a:t>
+              <a:t>2022-12-08</a:t>
             </a:fld>
             <a:endParaRPr lang="ko-KR" altLang="en-US"/>
           </a:p>
@@ -1726,7 +1726,7 @@
           <a:p>
             <a:fld id="{D92FA0C3-903F-4DD4-9420-CFFA3F5C6C77}" type="datetimeFigureOut">
               <a:rPr lang="ko-KR" altLang="en-US" smtClean="0"/>
-              <a:t>2022-12-07</a:t>
+              <a:t>2022-12-08</a:t>
             </a:fld>
             <a:endParaRPr lang="ko-KR" altLang="en-US"/>
           </a:p>
@@ -1821,7 +1821,7 @@
           <a:p>
             <a:fld id="{D92FA0C3-903F-4DD4-9420-CFFA3F5C6C77}" type="datetimeFigureOut">
               <a:rPr lang="ko-KR" altLang="en-US" smtClean="0"/>
-              <a:t>2022-12-07</a:t>
+              <a:t>2022-12-08</a:t>
             </a:fld>
             <a:endParaRPr lang="ko-KR" altLang="en-US"/>
           </a:p>
@@ -2098,7 +2098,7 @@
           <a:p>
             <a:fld id="{D92FA0C3-903F-4DD4-9420-CFFA3F5C6C77}" type="datetimeFigureOut">
               <a:rPr lang="ko-KR" altLang="en-US" smtClean="0"/>
-              <a:t>2022-12-07</a:t>
+              <a:t>2022-12-08</a:t>
             </a:fld>
             <a:endParaRPr lang="ko-KR" altLang="en-US"/>
           </a:p>
@@ -2351,7 +2351,7 @@
           <a:p>
             <a:fld id="{D92FA0C3-903F-4DD4-9420-CFFA3F5C6C77}" type="datetimeFigureOut">
               <a:rPr lang="ko-KR" altLang="en-US" smtClean="0"/>
-              <a:t>2022-12-07</a:t>
+              <a:t>2022-12-08</a:t>
             </a:fld>
             <a:endParaRPr lang="ko-KR" altLang="en-US"/>
           </a:p>
@@ -2564,7 +2564,7 @@
           <a:p>
             <a:fld id="{D92FA0C3-903F-4DD4-9420-CFFA3F5C6C77}" type="datetimeFigureOut">
               <a:rPr lang="ko-KR" altLang="en-US" smtClean="0"/>
-              <a:t>2022-12-07</a:t>
+              <a:t>2022-12-08</a:t>
             </a:fld>
             <a:endParaRPr lang="ko-KR" altLang="en-US"/>
           </a:p>
@@ -3829,6 +3829,7 @@
           <a:bodyPr rtlCol="0" anchor="ctr"/>
           <a:lstStyle/>
           <a:p>
+            <a:pPr algn="ctr"/>
             <a:r>
               <a:rPr lang="en-US" altLang="ko-KR" b="1" dirty="0" err="1" smtClean="0">
                 <a:ln w="0"/>
@@ -3859,23 +3860,7 @@
                   </a:outerShdw>
                 </a:effectLst>
               </a:rPr>
-              <a:t>, </a:t>
-            </a:r>
-            <a:r>
-              <a:rPr lang="en-US" altLang="ko-KR" b="1" dirty="0" smtClean="0">
-                <a:ln w="0"/>
-                <a:solidFill>
-                  <a:schemeClr val="tx1"/>
-                </a:solidFill>
-                <a:effectLst>
-                  <a:outerShdw blurRad="38100" dist="19050" dir="2700000" algn="tl" rotWithShape="0">
-                    <a:schemeClr val="dk1">
-                      <a:alpha val="40000"/>
-                    </a:schemeClr>
-                  </a:outerShdw>
-                </a:effectLst>
-              </a:rPr>
-              <a:t>filter</a:t>
+              <a:t>, filter</a:t>
             </a:r>
             <a:r>
               <a:rPr lang="ko-KR" altLang="en-US" b="1" dirty="0" smtClean="0">
@@ -4001,23 +3986,7 @@
                   </a:outerShdw>
                 </a:effectLst>
               </a:rPr>
-              <a:t>웹 페이지</a:t>
-            </a:r>
-            <a:r>
-              <a:rPr lang="ko-KR" altLang="en-US" sz="1400" b="1" dirty="0" smtClean="0">
-                <a:ln w="0"/>
-                <a:solidFill>
-                  <a:schemeClr val="tx1"/>
-                </a:solidFill>
-                <a:effectLst>
-                  <a:outerShdw blurRad="38100" dist="19050" dir="2700000" algn="tl" rotWithShape="0">
-                    <a:schemeClr val="dk1">
-                      <a:alpha val="40000"/>
-                    </a:schemeClr>
-                  </a:outerShdw>
-                </a:effectLst>
-              </a:rPr>
-              <a:t>를 보여줄</a:t>
+              <a:t>웹 페이지를 보여줄</a:t>
             </a:r>
             <a:r>
               <a:rPr lang="ko-KR" altLang="en-US" sz="1400" b="1" dirty="0">
